--- a/presentation/Internship FAPUP ITT TECH.pptx
+++ b/presentation/Internship FAPUP ITT TECH.pptx
@@ -232,7 +232,7 @@
             <a:fld id="{C5B31EDB-2B11-1F43-A71F-A8DF542F5DAA}" type="datetimeFigureOut">
               <a:rPr lang="en-GB" smtClean="0"/>
               <a:pPr/>
-              <a:t>28/06/2025</a:t>
+              <a:t>30/06/2025</a:t>
             </a:fld>
             <a:endParaRPr lang="en-GB" dirty="0"/>
           </a:p>
@@ -26676,7 +26676,7 @@
         </p:nvSpPr>
         <p:spPr>
           <a:xfrm>
-            <a:off x="5276247" y="5660803"/>
+            <a:off x="5276247" y="5418220"/>
             <a:ext cx="1639505" cy="415803"/>
           </a:xfrm>
           <a:prstGeom prst="rect">
@@ -26905,8 +26905,8 @@
         </p:blipFill>
         <p:spPr>
           <a:xfrm>
-            <a:off x="2159938" y="1278168"/>
-            <a:ext cx="7872121" cy="4301663"/>
+            <a:off x="2362674" y="1320546"/>
+            <a:ext cx="7466652" cy="4080097"/>
           </a:xfrm>
           <a:prstGeom prst="rect">
             <a:avLst/>
@@ -26918,6 +26918,240 @@
           </a:ln>
         </p:spPr>
       </p:pic>
+      <p:sp>
+        <p:nvSpPr>
+          <p:cNvPr id="4" name="Content Placeholder 5">
+            <a:extLst>
+              <a:ext uri="{FF2B5EF4-FFF2-40B4-BE49-F238E27FC236}">
+                <a16:creationId xmlns:a16="http://schemas.microsoft.com/office/drawing/2014/main" id="{2D2BB371-8B92-0ABA-22D7-801FA290B145}"/>
+              </a:ext>
+            </a:extLst>
+          </p:cNvPr>
+          <p:cNvSpPr txBox="1">
+            <a:spLocks/>
+          </p:cNvSpPr>
+          <p:nvPr/>
+        </p:nvSpPr>
+        <p:spPr>
+          <a:xfrm>
+            <a:off x="1582940" y="6029833"/>
+            <a:ext cx="10130175" cy="415803"/>
+          </a:xfrm>
+          <a:prstGeom prst="rect">
+            <a:avLst/>
+          </a:prstGeom>
+        </p:spPr>
+        <p:txBody>
+          <a:bodyPr/>
+          <a:lstStyle>
+            <a:lvl1pPr marL="0" indent="0" algn="l" defTabSz="914400" rtl="0" eaLnBrk="1" latinLnBrk="0" hangingPunct="1">
+              <a:lnSpc>
+                <a:spcPct val="95000"/>
+              </a:lnSpc>
+              <a:spcBef>
+                <a:spcPts val="600"/>
+              </a:spcBef>
+              <a:spcAft>
+                <a:spcPts val="600"/>
+              </a:spcAft>
+              <a:buFont typeface="Arial" panose="020B0604020202020204" pitchFamily="34" charset="0"/>
+              <a:buNone/>
+              <a:defRPr sz="2000" b="1" i="0" kern="1200">
+                <a:solidFill>
+                  <a:schemeClr val="accent1"/>
+                </a:solidFill>
+                <a:latin typeface="SLB Sans" panose="02000503040000020004" pitchFamily="2" charset="0"/>
+                <a:ea typeface="+mn-ea"/>
+                <a:cs typeface="+mn-cs"/>
+              </a:defRPr>
+            </a:lvl1pPr>
+            <a:lvl2pPr marL="0" indent="0" algn="l" defTabSz="914400" rtl="0" eaLnBrk="1" latinLnBrk="0" hangingPunct="1">
+              <a:lnSpc>
+                <a:spcPct val="95000"/>
+              </a:lnSpc>
+              <a:spcBef>
+                <a:spcPts val="600"/>
+              </a:spcBef>
+              <a:spcAft>
+                <a:spcPts val="600"/>
+              </a:spcAft>
+              <a:buFont typeface="Arial" panose="020B0604020202020204" pitchFamily="34" charset="0"/>
+              <a:buNone/>
+              <a:defRPr sz="2000" b="0" kern="1200">
+                <a:solidFill>
+                  <a:schemeClr val="accent1"/>
+                </a:solidFill>
+                <a:latin typeface="SLB Sans Book" panose="02000503040000020004" pitchFamily="2" charset="0"/>
+                <a:ea typeface="+mn-ea"/>
+                <a:cs typeface="+mn-cs"/>
+              </a:defRPr>
+            </a:lvl2pPr>
+            <a:lvl3pPr marL="342900" indent="-342900" algn="l" defTabSz="914400" rtl="0" eaLnBrk="1" latinLnBrk="0" hangingPunct="1">
+              <a:lnSpc>
+                <a:spcPct val="95000"/>
+              </a:lnSpc>
+              <a:spcBef>
+                <a:spcPts val="0"/>
+              </a:spcBef>
+              <a:spcAft>
+                <a:spcPts val="600"/>
+              </a:spcAft>
+              <a:buFont typeface="SLB Sans Book" panose="02000503040000020004" pitchFamily="2" charset="0"/>
+              <a:buChar char="→"/>
+              <a:defRPr sz="2000" b="0" kern="1200">
+                <a:solidFill>
+                  <a:schemeClr val="accent1"/>
+                </a:solidFill>
+                <a:latin typeface="SLB Sans Book" panose="02000503040000020004" pitchFamily="2" charset="0"/>
+                <a:ea typeface="+mn-ea"/>
+                <a:cs typeface="+mn-cs"/>
+              </a:defRPr>
+            </a:lvl3pPr>
+            <a:lvl4pPr marL="684000" indent="-342000" algn="l" defTabSz="914400" rtl="0" eaLnBrk="1" latinLnBrk="0" hangingPunct="1">
+              <a:lnSpc>
+                <a:spcPct val="95000"/>
+              </a:lnSpc>
+              <a:spcBef>
+                <a:spcPts val="0"/>
+              </a:spcBef>
+              <a:spcAft>
+                <a:spcPts val="600"/>
+              </a:spcAft>
+              <a:buFont typeface="SLB Sans Book" panose="02000503040000020004" pitchFamily="2" charset="0"/>
+              <a:buChar char="−"/>
+              <a:tabLst/>
+              <a:defRPr sz="1800" b="0" kern="1200">
+                <a:solidFill>
+                  <a:schemeClr val="accent1"/>
+                </a:solidFill>
+                <a:latin typeface="SLB Sans Book" panose="02000503040000020004" pitchFamily="2" charset="0"/>
+                <a:ea typeface="+mn-ea"/>
+                <a:cs typeface="+mn-cs"/>
+              </a:defRPr>
+            </a:lvl4pPr>
+            <a:lvl5pPr marL="0" indent="0" algn="l" defTabSz="914400" rtl="0" eaLnBrk="1" latinLnBrk="0" hangingPunct="1">
+              <a:lnSpc>
+                <a:spcPct val="95000"/>
+              </a:lnSpc>
+              <a:spcBef>
+                <a:spcPts val="600"/>
+              </a:spcBef>
+              <a:spcAft>
+                <a:spcPts val="600"/>
+              </a:spcAft>
+              <a:buFont typeface="Arial" panose="020B0604020202020204" pitchFamily="34" charset="0"/>
+              <a:buNone/>
+              <a:defRPr sz="2000" b="0" kern="1200">
+                <a:solidFill>
+                  <a:schemeClr val="accent1"/>
+                </a:solidFill>
+                <a:latin typeface="SLB Sans Book" panose="02000503040000020004" pitchFamily="2" charset="0"/>
+                <a:ea typeface="+mn-ea"/>
+                <a:cs typeface="+mn-cs"/>
+              </a:defRPr>
+            </a:lvl5pPr>
+            <a:lvl6pPr marL="2514600" indent="-228600" algn="l" defTabSz="914400" rtl="0" eaLnBrk="1" latinLnBrk="0" hangingPunct="1">
+              <a:lnSpc>
+                <a:spcPct val="90000"/>
+              </a:lnSpc>
+              <a:spcBef>
+                <a:spcPts val="500"/>
+              </a:spcBef>
+              <a:buFont typeface="Arial" panose="020B0604020202020204" pitchFamily="34" charset="0"/>
+              <a:buChar char="•"/>
+              <a:defRPr sz="1800" kern="1200">
+                <a:solidFill>
+                  <a:schemeClr val="tx1"/>
+                </a:solidFill>
+                <a:latin typeface="+mn-lt"/>
+                <a:ea typeface="+mn-ea"/>
+                <a:cs typeface="+mn-cs"/>
+              </a:defRPr>
+            </a:lvl6pPr>
+            <a:lvl7pPr marL="2971800" indent="-228600" algn="l" defTabSz="914400" rtl="0" eaLnBrk="1" latinLnBrk="0" hangingPunct="1">
+              <a:lnSpc>
+                <a:spcPct val="90000"/>
+              </a:lnSpc>
+              <a:spcBef>
+                <a:spcPts val="500"/>
+              </a:spcBef>
+              <a:buFont typeface="Arial" panose="020B0604020202020204" pitchFamily="34" charset="0"/>
+              <a:buChar char="•"/>
+              <a:defRPr sz="1800" kern="1200">
+                <a:solidFill>
+                  <a:schemeClr val="tx1"/>
+                </a:solidFill>
+                <a:latin typeface="+mn-lt"/>
+                <a:ea typeface="+mn-ea"/>
+                <a:cs typeface="+mn-cs"/>
+              </a:defRPr>
+            </a:lvl7pPr>
+            <a:lvl8pPr marL="3429000" indent="-228600" algn="l" defTabSz="914400" rtl="0" eaLnBrk="1" latinLnBrk="0" hangingPunct="1">
+              <a:lnSpc>
+                <a:spcPct val="90000"/>
+              </a:lnSpc>
+              <a:spcBef>
+                <a:spcPts val="500"/>
+              </a:spcBef>
+              <a:buFont typeface="Arial" panose="020B0604020202020204" pitchFamily="34" charset="0"/>
+              <a:buChar char="•"/>
+              <a:defRPr sz="1800" kern="1200">
+                <a:solidFill>
+                  <a:schemeClr val="tx1"/>
+                </a:solidFill>
+                <a:latin typeface="+mn-lt"/>
+                <a:ea typeface="+mn-ea"/>
+                <a:cs typeface="+mn-cs"/>
+              </a:defRPr>
+            </a:lvl8pPr>
+            <a:lvl9pPr marL="3886200" indent="-228600" algn="l" defTabSz="914400" rtl="0" eaLnBrk="1" latinLnBrk="0" hangingPunct="1">
+              <a:lnSpc>
+                <a:spcPct val="90000"/>
+              </a:lnSpc>
+              <a:spcBef>
+                <a:spcPts val="500"/>
+              </a:spcBef>
+              <a:buFont typeface="Arial" panose="020B0604020202020204" pitchFamily="34" charset="0"/>
+              <a:buChar char="•"/>
+              <a:defRPr sz="1800" kern="1200">
+                <a:solidFill>
+                  <a:schemeClr val="tx1"/>
+                </a:solidFill>
+                <a:latin typeface="+mn-lt"/>
+                <a:ea typeface="+mn-ea"/>
+                <a:cs typeface="+mn-cs"/>
+              </a:defRPr>
+            </a:lvl9pPr>
+          </a:lstStyle>
+          <a:p>
+            <a:r>
+              <a:rPr lang="en-US" sz="1050" b="0" dirty="0">
+                <a:solidFill>
+                  <a:schemeClr val="tx1"/>
+                </a:solidFill>
+              </a:rPr>
+              <a:t>Link: </a:t>
+            </a:r>
+            <a:r>
+              <a:rPr lang="en-US" sz="1050" b="0" dirty="0">
+                <a:solidFill>
+                  <a:schemeClr val="tx1"/>
+                </a:solidFill>
+                <a:hlinkClick r:id="rId4"/>
+              </a:rPr>
+              <a:t>https://app.powerbi.com/groups/me/reports/ffc7441e-cf6f-4884-a23e-03451441b4ca/ReportSection1748058027beaeb4025c?experience=power-bi</a:t>
+            </a:r>
+            <a:r>
+              <a:rPr lang="en-US" sz="1050" b="0" dirty="0">
+                <a:solidFill>
+                  <a:schemeClr val="tx1"/>
+                </a:solidFill>
+              </a:rPr>
+              <a:t>  </a:t>
+            </a:r>
+          </a:p>
+        </p:txBody>
+      </p:sp>
     </p:spTree>
     <p:extLst>
       <p:ext uri="{BB962C8B-B14F-4D97-AF65-F5344CB8AC3E}">
@@ -36918,15 +37152,6 @@
 </file>
 
 <file path=customXml/item1.xml><?xml version="1.0" encoding="utf-8"?>
-<?mso-contentType ?>
-<FormTemplates xmlns="http://schemas.microsoft.com/sharepoint/v3/contenttype/forms">
-  <Display>DocumentLibraryForm</Display>
-  <Edit>DocumentLibraryForm</Edit>
-  <New>DocumentLibraryForm</New>
-</FormTemplates>
-</file>
-
-<file path=customXml/item2.xml><?xml version="1.0" encoding="utf-8"?>
 <ct:contentTypeSchema xmlns:ct="http://schemas.microsoft.com/office/2006/metadata/contentType" xmlns:ma="http://schemas.microsoft.com/office/2006/metadata/properties/metaAttributes" ct:_="" ma:_="" ma:contentTypeName="Document" ma:contentTypeID="0x0101008E338789B9863E41ABB71983EFDB117D" ma:contentTypeVersion="17" ma:contentTypeDescription="Create a new document." ma:contentTypeScope="" ma:versionID="1673537ac02f9e892fa9e4c891574eb4">
   <xsd:schema xmlns:xsd="http://www.w3.org/2001/XMLSchema" xmlns:xs="http://www.w3.org/2001/XMLSchema" xmlns:p="http://schemas.microsoft.com/office/2006/metadata/properties" xmlns:ns2="db1f4d26-6ec2-4faa-aa93-c1dbd34b777a" xmlns:ns3="0dc7c756-b2f2-4040-b020-f44afb53fbf9" xmlns:ns4="3bfd3c9f-55b4-4322-bb50-41a89459c9a3" targetNamespace="http://schemas.microsoft.com/office/2006/metadata/properties" ma:root="true" ma:fieldsID="bf0608bf02416c5a39bc78d780f0ab7e" ns2:_="" ns3:_="" ns4:_="">
     <xsd:import namespace="db1f4d26-6ec2-4faa-aa93-c1dbd34b777a"/>
@@ -37180,6 +37405,15 @@
 </ct:contentTypeSchema>
 </file>
 
+<file path=customXml/item2.xml><?xml version="1.0" encoding="utf-8"?>
+<?mso-contentType ?>
+<FormTemplates xmlns="http://schemas.microsoft.com/sharepoint/v3/contenttype/forms">
+  <Display>DocumentLibraryForm</Display>
+  <Edit>DocumentLibraryForm</Edit>
+  <New>DocumentLibraryForm</New>
+</FormTemplates>
+</file>
+
 <file path=customXml/item3.xml><?xml version="1.0" encoding="utf-8"?>
 <p:properties xmlns:p="http://schemas.microsoft.com/office/2006/metadata/properties" xmlns:xsi="http://www.w3.org/2001/XMLSchema-instance" xmlns:pc="http://schemas.microsoft.com/office/infopath/2007/PartnerControls">
   <documentManagement>
@@ -37229,14 +37463,6 @@
 </file>
 
 <file path=customXml/itemProps1.xml><?xml version="1.0" encoding="utf-8"?>
-<ds:datastoreItem xmlns:ds="http://schemas.openxmlformats.org/officeDocument/2006/customXml" ds:itemID="{FE1CBE9C-F8E5-4908-811F-49D7CB79401A}">
-  <ds:schemaRefs>
-    <ds:schemaRef ds:uri="http://schemas.microsoft.com/sharepoint/v3/contenttype/forms"/>
-  </ds:schemaRefs>
-</ds:datastoreItem>
-</file>
-
-<file path=customXml/itemProps2.xml><?xml version="1.0" encoding="utf-8"?>
 <ds:datastoreItem xmlns:ds="http://schemas.openxmlformats.org/officeDocument/2006/customXml" ds:itemID="{5D78815D-B0AE-4E9A-BE02-156C28DAF20C}">
   <ds:schemaRefs>
     <ds:schemaRef ds:uri="http://schemas.microsoft.com/office/2006/metadata/contentType"/>
@@ -37252,6 +37478,14 @@
     <ds:schemaRef ds:uri="http://purl.org/dc/elements/1.1/"/>
     <ds:schemaRef ds:uri="http://purl.org/dc/terms/"/>
     <ds:schemaRef ds:uri="http://schemas.microsoft.com/internal/obd"/>
+  </ds:schemaRefs>
+</ds:datastoreItem>
+</file>
+
+<file path=customXml/itemProps2.xml><?xml version="1.0" encoding="utf-8"?>
+<ds:datastoreItem xmlns:ds="http://schemas.openxmlformats.org/officeDocument/2006/customXml" ds:itemID="{FE1CBE9C-F8E5-4908-811F-49D7CB79401A}">
+  <ds:schemaRefs>
+    <ds:schemaRef ds:uri="http://schemas.microsoft.com/sharepoint/v3/contenttype/forms"/>
   </ds:schemaRefs>
 </ds:datastoreItem>
 </file>
